--- a/documentation/about/Maksimukv-football.pptx
+++ b/documentation/about/Maksimukv-football.pptx
@@ -7,18 +7,19 @@
   <p:sldIdLst>
     <p:sldId id="256" r:id="rId2"/>
     <p:sldId id="257" r:id="rId3"/>
-    <p:sldId id="258" r:id="rId4"/>
-    <p:sldId id="259" r:id="rId5"/>
-    <p:sldId id="260" r:id="rId6"/>
-    <p:sldId id="261" r:id="rId7"/>
-    <p:sldId id="265" r:id="rId8"/>
-    <p:sldId id="262" r:id="rId9"/>
-    <p:sldId id="263" r:id="rId10"/>
-    <p:sldId id="264" r:id="rId11"/>
-    <p:sldId id="266" r:id="rId12"/>
-    <p:sldId id="267" r:id="rId13"/>
-    <p:sldId id="268" r:id="rId14"/>
-    <p:sldId id="269" r:id="rId15"/>
+    <p:sldId id="270" r:id="rId4"/>
+    <p:sldId id="258" r:id="rId5"/>
+    <p:sldId id="259" r:id="rId6"/>
+    <p:sldId id="260" r:id="rId7"/>
+    <p:sldId id="261" r:id="rId8"/>
+    <p:sldId id="265" r:id="rId9"/>
+    <p:sldId id="262" r:id="rId10"/>
+    <p:sldId id="263" r:id="rId11"/>
+    <p:sldId id="264" r:id="rId12"/>
+    <p:sldId id="266" r:id="rId13"/>
+    <p:sldId id="267" r:id="rId14"/>
+    <p:sldId id="268" r:id="rId15"/>
+    <p:sldId id="269" r:id="rId16"/>
   </p:sldIdLst>
   <p:sldSz cx="12192000" cy="6858000"/>
   <p:notesSz cx="6858000" cy="9144000"/>
@@ -175,7 +176,7 @@
           <a:noFill/>
           <a:extLst>
             <a:ext uri="{909E8E84-426E-40dd-AFC4-6F175D3DCCD1}">
-              <a14:hiddenFill xmlns="" xmlns:a14="http://schemas.microsoft.com/office/drawing/2010/main">
+              <a14:hiddenFill xmlns:a14="http://schemas.microsoft.com/office/drawing/2010/main" xmlns="">
                 <a:solidFill>
                   <a:srgbClr val="FFFFFF"/>
                 </a:solidFill>
@@ -235,7 +236,7 @@
             </a:ln>
             <a:extLst>
               <a:ext uri="{91240B29-F687-4f45-9708-019B960494DF}">
-                <a14:hiddenLine xmlns="" xmlns:a14="http://schemas.microsoft.com/office/drawing/2010/main" w="9525">
+                <a14:hiddenLine xmlns:a14="http://schemas.microsoft.com/office/drawing/2010/main" xmlns="" w="9525">
                   <a:solidFill>
                     <a:srgbClr val="000000"/>
                   </a:solidFill>
@@ -325,7 +326,7 @@
             </a:ln>
             <a:extLst>
               <a:ext uri="{91240B29-F687-4f45-9708-019B960494DF}">
-                <a14:hiddenLine xmlns="" xmlns:a14="http://schemas.microsoft.com/office/drawing/2010/main" w="9525">
+                <a14:hiddenLine xmlns:a14="http://schemas.microsoft.com/office/drawing/2010/main" xmlns="" w="9525">
                   <a:solidFill>
                     <a:srgbClr val="000000"/>
                   </a:solidFill>
@@ -415,7 +416,7 @@
             </a:ln>
             <a:extLst>
               <a:ext uri="{91240B29-F687-4f45-9708-019B960494DF}">
-                <a14:hiddenLine xmlns="" xmlns:a14="http://schemas.microsoft.com/office/drawing/2010/main" w="9525">
+                <a14:hiddenLine xmlns:a14="http://schemas.microsoft.com/office/drawing/2010/main" xmlns="" w="9525">
                   <a:solidFill>
                     <a:srgbClr val="000000"/>
                   </a:solidFill>
@@ -449,7 +450,7 @@
             </a:ln>
             <a:extLst>
               <a:ext uri="{91240B29-F687-4f45-9708-019B960494DF}">
-                <a14:hiddenLine xmlns="" xmlns:a14="http://schemas.microsoft.com/office/drawing/2010/main" w="9525">
+                <a14:hiddenLine xmlns:a14="http://schemas.microsoft.com/office/drawing/2010/main" xmlns="" w="9525">
                   <a:solidFill>
                     <a:srgbClr val="000000"/>
                   </a:solidFill>
@@ -539,7 +540,7 @@
             </a:ln>
             <a:extLst>
               <a:ext uri="{91240B29-F687-4f45-9708-019B960494DF}">
-                <a14:hiddenLine xmlns="" xmlns:a14="http://schemas.microsoft.com/office/drawing/2010/main" w="9525">
+                <a14:hiddenLine xmlns:a14="http://schemas.microsoft.com/office/drawing/2010/main" xmlns="" w="9525">
                   <a:solidFill>
                     <a:srgbClr val="000000"/>
                   </a:solidFill>
@@ -601,7 +602,7 @@
             </a:ln>
             <a:extLst>
               <a:ext uri="{91240B29-F687-4f45-9708-019B960494DF}">
-                <a14:hiddenLine xmlns="" xmlns:a14="http://schemas.microsoft.com/office/drawing/2010/main" w="9525">
+                <a14:hiddenLine xmlns:a14="http://schemas.microsoft.com/office/drawing/2010/main" xmlns="" w="9525">
                   <a:solidFill>
                     <a:srgbClr val="000000"/>
                   </a:solidFill>
@@ -663,7 +664,7 @@
             </a:ln>
             <a:extLst>
               <a:ext uri="{91240B29-F687-4f45-9708-019B960494DF}">
-                <a14:hiddenLine xmlns="" xmlns:a14="http://schemas.microsoft.com/office/drawing/2010/main" w="9525">
+                <a14:hiddenLine xmlns:a14="http://schemas.microsoft.com/office/drawing/2010/main" xmlns="" w="9525">
                   <a:solidFill>
                     <a:srgbClr val="000000"/>
                   </a:solidFill>
@@ -753,7 +754,7 @@
             </a:ln>
             <a:extLst>
               <a:ext uri="{91240B29-F687-4f45-9708-019B960494DF}">
-                <a14:hiddenLine xmlns="" xmlns:a14="http://schemas.microsoft.com/office/drawing/2010/main" w="9525">
+                <a14:hiddenLine xmlns:a14="http://schemas.microsoft.com/office/drawing/2010/main" xmlns="" w="9525">
                   <a:solidFill>
                     <a:srgbClr val="000000"/>
                   </a:solidFill>
@@ -815,7 +816,7 @@
             </a:ln>
             <a:extLst>
               <a:ext uri="{91240B29-F687-4f45-9708-019B960494DF}">
-                <a14:hiddenLine xmlns="" xmlns:a14="http://schemas.microsoft.com/office/drawing/2010/main" w="9525">
+                <a14:hiddenLine xmlns:a14="http://schemas.microsoft.com/office/drawing/2010/main" xmlns="" w="9525">
                   <a:solidFill>
                     <a:srgbClr val="000000"/>
                   </a:solidFill>
@@ -877,7 +878,7 @@
             </a:ln>
             <a:extLst>
               <a:ext uri="{91240B29-F687-4f45-9708-019B960494DF}">
-                <a14:hiddenLine xmlns="" xmlns:a14="http://schemas.microsoft.com/office/drawing/2010/main" w="9525">
+                <a14:hiddenLine xmlns:a14="http://schemas.microsoft.com/office/drawing/2010/main" xmlns="" w="9525">
                   <a:solidFill>
                     <a:srgbClr val="000000"/>
                   </a:solidFill>
@@ -967,7 +968,7 @@
             </a:ln>
             <a:extLst>
               <a:ext uri="{91240B29-F687-4f45-9708-019B960494DF}">
-                <a14:hiddenLine xmlns="" xmlns:a14="http://schemas.microsoft.com/office/drawing/2010/main" w="9525">
+                <a14:hiddenLine xmlns:a14="http://schemas.microsoft.com/office/drawing/2010/main" xmlns="" w="9525">
                   <a:solidFill>
                     <a:srgbClr val="000000"/>
                   </a:solidFill>
@@ -1057,7 +1058,7 @@
             </a:ln>
             <a:extLst>
               <a:ext uri="{91240B29-F687-4f45-9708-019B960494DF}">
-                <a14:hiddenLine xmlns="" xmlns:a14="http://schemas.microsoft.com/office/drawing/2010/main" w="9525">
+                <a14:hiddenLine xmlns:a14="http://schemas.microsoft.com/office/drawing/2010/main" xmlns="" w="9525">
                   <a:solidFill>
                     <a:srgbClr val="000000"/>
                   </a:solidFill>
@@ -1119,7 +1120,7 @@
             </a:ln>
             <a:extLst>
               <a:ext uri="{91240B29-F687-4f45-9708-019B960494DF}">
-                <a14:hiddenLine xmlns="" xmlns:a14="http://schemas.microsoft.com/office/drawing/2010/main" w="9525">
+                <a14:hiddenLine xmlns:a14="http://schemas.microsoft.com/office/drawing/2010/main" xmlns="" w="9525">
                   <a:solidFill>
                     <a:srgbClr val="000000"/>
                   </a:solidFill>
@@ -1229,7 +1230,7 @@
             </a:ln>
             <a:extLst>
               <a:ext uri="{91240B29-F687-4f45-9708-019B960494DF}">
-                <a14:hiddenLine xmlns="" xmlns:a14="http://schemas.microsoft.com/office/drawing/2010/main" w="9525">
+                <a14:hiddenLine xmlns:a14="http://schemas.microsoft.com/office/drawing/2010/main" xmlns="" w="9525">
                   <a:solidFill>
                     <a:srgbClr val="000000"/>
                   </a:solidFill>
@@ -1291,7 +1292,7 @@
             </a:ln>
             <a:extLst>
               <a:ext uri="{91240B29-F687-4f45-9708-019B960494DF}">
-                <a14:hiddenLine xmlns="" xmlns:a14="http://schemas.microsoft.com/office/drawing/2010/main" w="9525">
+                <a14:hiddenLine xmlns:a14="http://schemas.microsoft.com/office/drawing/2010/main" xmlns="" w="9525">
                   <a:solidFill>
                     <a:srgbClr val="000000"/>
                   </a:solidFill>
@@ -1381,7 +1382,7 @@
             </a:ln>
             <a:extLst>
               <a:ext uri="{91240B29-F687-4f45-9708-019B960494DF}">
-                <a14:hiddenLine xmlns="" xmlns:a14="http://schemas.microsoft.com/office/drawing/2010/main" w="9525">
+                <a14:hiddenLine xmlns:a14="http://schemas.microsoft.com/office/drawing/2010/main" xmlns="" w="9525">
                   <a:solidFill>
                     <a:srgbClr val="000000"/>
                   </a:solidFill>
@@ -1471,7 +1472,7 @@
             </a:ln>
             <a:extLst>
               <a:ext uri="{91240B29-F687-4f45-9708-019B960494DF}">
-                <a14:hiddenLine xmlns="" xmlns:a14="http://schemas.microsoft.com/office/drawing/2010/main" w="9525">
+                <a14:hiddenLine xmlns:a14="http://schemas.microsoft.com/office/drawing/2010/main" xmlns="" w="9525">
                   <a:solidFill>
                     <a:srgbClr val="000000"/>
                   </a:solidFill>
@@ -1533,7 +1534,7 @@
             </a:ln>
             <a:extLst>
               <a:ext uri="{91240B29-F687-4f45-9708-019B960494DF}">
-                <a14:hiddenLine xmlns="" xmlns:a14="http://schemas.microsoft.com/office/drawing/2010/main" w="9525">
+                <a14:hiddenLine xmlns:a14="http://schemas.microsoft.com/office/drawing/2010/main" xmlns="" w="9525">
                   <a:solidFill>
                     <a:srgbClr val="000000"/>
                   </a:solidFill>
@@ -1623,7 +1624,7 @@
             </a:ln>
             <a:extLst>
               <a:ext uri="{91240B29-F687-4f45-9708-019B960494DF}">
-                <a14:hiddenLine xmlns="" xmlns:a14="http://schemas.microsoft.com/office/drawing/2010/main" w="9525">
+                <a14:hiddenLine xmlns:a14="http://schemas.microsoft.com/office/drawing/2010/main" xmlns="" w="9525">
                   <a:solidFill>
                     <a:srgbClr val="000000"/>
                   </a:solidFill>
@@ -1713,7 +1714,7 @@
             </a:ln>
             <a:extLst>
               <a:ext uri="{91240B29-F687-4f45-9708-019B960494DF}">
-                <a14:hiddenLine xmlns="" xmlns:a14="http://schemas.microsoft.com/office/drawing/2010/main" w="9525">
+                <a14:hiddenLine xmlns:a14="http://schemas.microsoft.com/office/drawing/2010/main" xmlns="" w="9525">
                   <a:solidFill>
                     <a:srgbClr val="000000"/>
                   </a:solidFill>
@@ -1769,7 +1770,7 @@
             </a:ln>
             <a:extLst>
               <a:ext uri="{91240B29-F687-4f45-9708-019B960494DF}">
-                <a14:hiddenLine xmlns="" xmlns:a14="http://schemas.microsoft.com/office/drawing/2010/main" w="9525">
+                <a14:hiddenLine xmlns:a14="http://schemas.microsoft.com/office/drawing/2010/main" xmlns="" w="9525">
                   <a:solidFill>
                     <a:srgbClr val="000000"/>
                   </a:solidFill>
@@ -1859,7 +1860,7 @@
             </a:ln>
             <a:extLst>
               <a:ext uri="{91240B29-F687-4f45-9708-019B960494DF}">
-                <a14:hiddenLine xmlns="" xmlns:a14="http://schemas.microsoft.com/office/drawing/2010/main" w="9525">
+                <a14:hiddenLine xmlns:a14="http://schemas.microsoft.com/office/drawing/2010/main" xmlns="" w="9525">
                   <a:solidFill>
                     <a:srgbClr val="000000"/>
                   </a:solidFill>
@@ -1915,7 +1916,7 @@
             </a:ln>
             <a:extLst>
               <a:ext uri="{91240B29-F687-4f45-9708-019B960494DF}">
-                <a14:hiddenLine xmlns="" xmlns:a14="http://schemas.microsoft.com/office/drawing/2010/main" w="9525">
+                <a14:hiddenLine xmlns:a14="http://schemas.microsoft.com/office/drawing/2010/main" xmlns="" w="9525">
                   <a:solidFill>
                     <a:srgbClr val="000000"/>
                   </a:solidFill>
@@ -2005,7 +2006,7 @@
             </a:ln>
             <a:extLst>
               <a:ext uri="{91240B29-F687-4f45-9708-019B960494DF}">
-                <a14:hiddenLine xmlns="" xmlns:a14="http://schemas.microsoft.com/office/drawing/2010/main" w="9525">
+                <a14:hiddenLine xmlns:a14="http://schemas.microsoft.com/office/drawing/2010/main" xmlns="" w="9525">
                   <a:solidFill>
                     <a:srgbClr val="000000"/>
                   </a:solidFill>
@@ -2073,7 +2074,7 @@
             </a:ln>
             <a:extLst>
               <a:ext uri="{91240B29-F687-4f45-9708-019B960494DF}">
-                <a14:hiddenLine xmlns="" xmlns:a14="http://schemas.microsoft.com/office/drawing/2010/main" w="9525">
+                <a14:hiddenLine xmlns:a14="http://schemas.microsoft.com/office/drawing/2010/main" xmlns="" w="9525">
                   <a:solidFill>
                     <a:srgbClr val="000000"/>
                   </a:solidFill>
@@ -2163,7 +2164,7 @@
             </a:ln>
             <a:extLst>
               <a:ext uri="{91240B29-F687-4f45-9708-019B960494DF}">
-                <a14:hiddenLine xmlns="" xmlns:a14="http://schemas.microsoft.com/office/drawing/2010/main" w="9525">
+                <a14:hiddenLine xmlns:a14="http://schemas.microsoft.com/office/drawing/2010/main" xmlns="" w="9525">
                   <a:solidFill>
                     <a:srgbClr val="000000"/>
                   </a:solidFill>
@@ -2231,7 +2232,7 @@
             </a:ln>
             <a:extLst>
               <a:ext uri="{91240B29-F687-4f45-9708-019B960494DF}">
-                <a14:hiddenLine xmlns="" xmlns:a14="http://schemas.microsoft.com/office/drawing/2010/main" w="9525">
+                <a14:hiddenLine xmlns:a14="http://schemas.microsoft.com/office/drawing/2010/main" xmlns="" w="9525">
                   <a:solidFill>
                     <a:srgbClr val="000000"/>
                   </a:solidFill>
@@ -2321,7 +2322,7 @@
             </a:ln>
             <a:extLst>
               <a:ext uri="{91240B29-F687-4f45-9708-019B960494DF}">
-                <a14:hiddenLine xmlns="" xmlns:a14="http://schemas.microsoft.com/office/drawing/2010/main" w="9525">
+                <a14:hiddenLine xmlns:a14="http://schemas.microsoft.com/office/drawing/2010/main" xmlns="" w="9525">
                   <a:solidFill>
                     <a:srgbClr val="000000"/>
                   </a:solidFill>
@@ -2355,7 +2356,7 @@
             </a:ln>
             <a:extLst>
               <a:ext uri="{91240B29-F687-4f45-9708-019B960494DF}">
-                <a14:hiddenLine xmlns="" xmlns:a14="http://schemas.microsoft.com/office/drawing/2010/main" w="9525">
+                <a14:hiddenLine xmlns:a14="http://schemas.microsoft.com/office/drawing/2010/main" xmlns="" w="9525">
                   <a:solidFill>
                     <a:srgbClr val="000000"/>
                   </a:solidFill>
@@ -2445,7 +2446,7 @@
             </a:ln>
             <a:extLst>
               <a:ext uri="{91240B29-F687-4f45-9708-019B960494DF}">
-                <a14:hiddenLine xmlns="" xmlns:a14="http://schemas.microsoft.com/office/drawing/2010/main" w="9525">
+                <a14:hiddenLine xmlns:a14="http://schemas.microsoft.com/office/drawing/2010/main" xmlns="" w="9525">
                   <a:solidFill>
                     <a:srgbClr val="000000"/>
                   </a:solidFill>
@@ -2507,7 +2508,7 @@
             </a:ln>
             <a:extLst>
               <a:ext uri="{91240B29-F687-4f45-9708-019B960494DF}">
-                <a14:hiddenLine xmlns="" xmlns:a14="http://schemas.microsoft.com/office/drawing/2010/main" w="9525">
+                <a14:hiddenLine xmlns:a14="http://schemas.microsoft.com/office/drawing/2010/main" xmlns="" w="9525">
                   <a:solidFill>
                     <a:srgbClr val="000000"/>
                   </a:solidFill>
@@ -2569,7 +2570,7 @@
             </a:ln>
             <a:extLst>
               <a:ext uri="{91240B29-F687-4f45-9708-019B960494DF}">
-                <a14:hiddenLine xmlns="" xmlns:a14="http://schemas.microsoft.com/office/drawing/2010/main" w="9525">
+                <a14:hiddenLine xmlns:a14="http://schemas.microsoft.com/office/drawing/2010/main" xmlns="" w="9525">
                   <a:solidFill>
                     <a:srgbClr val="000000"/>
                   </a:solidFill>
@@ -2659,7 +2660,7 @@
             </a:ln>
             <a:extLst>
               <a:ext uri="{91240B29-F687-4f45-9708-019B960494DF}">
-                <a14:hiddenLine xmlns="" xmlns:a14="http://schemas.microsoft.com/office/drawing/2010/main" w="9525">
+                <a14:hiddenLine xmlns:a14="http://schemas.microsoft.com/office/drawing/2010/main" xmlns="" w="9525">
                   <a:solidFill>
                     <a:srgbClr val="000000"/>
                   </a:solidFill>
@@ -2727,7 +2728,7 @@
             </a:ln>
             <a:extLst>
               <a:ext uri="{91240B29-F687-4f45-9708-019B960494DF}">
-                <a14:hiddenLine xmlns="" xmlns:a14="http://schemas.microsoft.com/office/drawing/2010/main" w="9525">
+                <a14:hiddenLine xmlns:a14="http://schemas.microsoft.com/office/drawing/2010/main" xmlns="" w="9525">
                   <a:solidFill>
                     <a:srgbClr val="000000"/>
                   </a:solidFill>
@@ -2789,7 +2790,7 @@
             </a:ln>
             <a:extLst>
               <a:ext uri="{91240B29-F687-4f45-9708-019B960494DF}">
-                <a14:hiddenLine xmlns="" xmlns:a14="http://schemas.microsoft.com/office/drawing/2010/main" w="9525">
+                <a14:hiddenLine xmlns:a14="http://schemas.microsoft.com/office/drawing/2010/main" xmlns="" w="9525">
                   <a:solidFill>
                     <a:srgbClr val="000000"/>
                   </a:solidFill>
@@ -2879,7 +2880,7 @@
             </a:ln>
             <a:extLst>
               <a:ext uri="{91240B29-F687-4f45-9708-019B960494DF}">
-                <a14:hiddenLine xmlns="" xmlns:a14="http://schemas.microsoft.com/office/drawing/2010/main" w="9525">
+                <a14:hiddenLine xmlns:a14="http://schemas.microsoft.com/office/drawing/2010/main" xmlns="" w="9525">
                   <a:solidFill>
                     <a:srgbClr val="000000"/>
                   </a:solidFill>
@@ -2941,7 +2942,7 @@
             </a:ln>
             <a:extLst>
               <a:ext uri="{91240B29-F687-4f45-9708-019B960494DF}">
-                <a14:hiddenLine xmlns="" xmlns:a14="http://schemas.microsoft.com/office/drawing/2010/main" w="9525">
+                <a14:hiddenLine xmlns:a14="http://schemas.microsoft.com/office/drawing/2010/main" xmlns="" w="9525">
                   <a:solidFill>
                     <a:srgbClr val="000000"/>
                   </a:solidFill>
@@ -3031,7 +3032,7 @@
             </a:ln>
             <a:extLst>
               <a:ext uri="{91240B29-F687-4f45-9708-019B960494DF}">
-                <a14:hiddenLine xmlns="" xmlns:a14="http://schemas.microsoft.com/office/drawing/2010/main" w="9525">
+                <a14:hiddenLine xmlns:a14="http://schemas.microsoft.com/office/drawing/2010/main" xmlns="" w="9525">
                   <a:solidFill>
                     <a:srgbClr val="000000"/>
                   </a:solidFill>
@@ -3093,7 +3094,7 @@
             </a:ln>
             <a:extLst>
               <a:ext uri="{91240B29-F687-4f45-9708-019B960494DF}">
-                <a14:hiddenLine xmlns="" xmlns:a14="http://schemas.microsoft.com/office/drawing/2010/main" w="9525">
+                <a14:hiddenLine xmlns:a14="http://schemas.microsoft.com/office/drawing/2010/main" xmlns="" w="9525">
                   <a:solidFill>
                     <a:srgbClr val="000000"/>
                   </a:solidFill>
@@ -3183,7 +3184,7 @@
             </a:ln>
             <a:extLst>
               <a:ext uri="{91240B29-F687-4f45-9708-019B960494DF}">
-                <a14:hiddenLine xmlns="" xmlns:a14="http://schemas.microsoft.com/office/drawing/2010/main" w="9525">
+                <a14:hiddenLine xmlns:a14="http://schemas.microsoft.com/office/drawing/2010/main" xmlns="" w="9525">
                   <a:solidFill>
                     <a:srgbClr val="000000"/>
                   </a:solidFill>
@@ -3217,7 +3218,7 @@
             </a:ln>
             <a:extLst>
               <a:ext uri="{91240B29-F687-4f45-9708-019B960494DF}">
-                <a14:hiddenLine xmlns="" xmlns:a14="http://schemas.microsoft.com/office/drawing/2010/main" w="9525">
+                <a14:hiddenLine xmlns:a14="http://schemas.microsoft.com/office/drawing/2010/main" xmlns="" w="9525">
                   <a:solidFill>
                     <a:srgbClr val="000000"/>
                   </a:solidFill>
@@ -3282,7 +3283,7 @@
             </a:ln>
             <a:extLst>
               <a:ext uri="{91240B29-F687-4f45-9708-019B960494DF}">
-                <a14:hiddenLine xmlns="" xmlns:a14="http://schemas.microsoft.com/office/drawing/2010/main" w="9525">
+                <a14:hiddenLine xmlns:a14="http://schemas.microsoft.com/office/drawing/2010/main" xmlns="" w="9525">
                   <a:solidFill>
                     <a:srgbClr val="000000"/>
                   </a:solidFill>
@@ -3372,7 +3373,7 @@
             </a:ln>
             <a:extLst>
               <a:ext uri="{91240B29-F687-4f45-9708-019B960494DF}">
-                <a14:hiddenLine xmlns="" xmlns:a14="http://schemas.microsoft.com/office/drawing/2010/main" w="9525">
+                <a14:hiddenLine xmlns:a14="http://schemas.microsoft.com/office/drawing/2010/main" xmlns="" w="9525">
                   <a:solidFill>
                     <a:srgbClr val="000000"/>
                   </a:solidFill>
@@ -3434,7 +3435,7 @@
             </a:ln>
             <a:extLst>
               <a:ext uri="{91240B29-F687-4f45-9708-019B960494DF}">
-                <a14:hiddenLine xmlns="" xmlns:a14="http://schemas.microsoft.com/office/drawing/2010/main" w="9525">
+                <a14:hiddenLine xmlns:a14="http://schemas.microsoft.com/office/drawing/2010/main" xmlns="" w="9525">
                   <a:solidFill>
                     <a:srgbClr val="000000"/>
                   </a:solidFill>
@@ -3524,7 +3525,7 @@
             </a:ln>
             <a:extLst>
               <a:ext uri="{91240B29-F687-4f45-9708-019B960494DF}">
-                <a14:hiddenLine xmlns="" xmlns:a14="http://schemas.microsoft.com/office/drawing/2010/main" w="9525">
+                <a14:hiddenLine xmlns:a14="http://schemas.microsoft.com/office/drawing/2010/main" xmlns="" w="9525">
                   <a:solidFill>
                     <a:srgbClr val="000000"/>
                   </a:solidFill>
@@ -3614,7 +3615,7 @@
             </a:ln>
             <a:extLst>
               <a:ext uri="{91240B29-F687-4f45-9708-019B960494DF}">
-                <a14:hiddenLine xmlns="" xmlns:a14="http://schemas.microsoft.com/office/drawing/2010/main" w="9525">
+                <a14:hiddenLine xmlns:a14="http://schemas.microsoft.com/office/drawing/2010/main" xmlns="" w="9525">
                   <a:solidFill>
                     <a:srgbClr val="000000"/>
                   </a:solidFill>
@@ -3679,7 +3680,7 @@
             </a:ln>
             <a:extLst>
               <a:ext uri="{91240B29-F687-4f45-9708-019B960494DF}">
-                <a14:hiddenLine xmlns="" xmlns:a14="http://schemas.microsoft.com/office/drawing/2010/main" w="9525">
+                <a14:hiddenLine xmlns:a14="http://schemas.microsoft.com/office/drawing/2010/main" xmlns="" w="9525">
                   <a:solidFill>
                     <a:srgbClr val="000000"/>
                   </a:solidFill>
@@ -3741,7 +3742,7 @@
             </a:ln>
             <a:extLst>
               <a:ext uri="{91240B29-F687-4f45-9708-019B960494DF}">
-                <a14:hiddenLine xmlns="" xmlns:a14="http://schemas.microsoft.com/office/drawing/2010/main" w="9525">
+                <a14:hiddenLine xmlns:a14="http://schemas.microsoft.com/office/drawing/2010/main" xmlns="" w="9525">
                   <a:solidFill>
                     <a:srgbClr val="000000"/>
                   </a:solidFill>
@@ -3831,7 +3832,7 @@
             </a:ln>
             <a:extLst>
               <a:ext uri="{91240B29-F687-4f45-9708-019B960494DF}">
-                <a14:hiddenLine xmlns="" xmlns:a14="http://schemas.microsoft.com/office/drawing/2010/main" w="9525">
+                <a14:hiddenLine xmlns:a14="http://schemas.microsoft.com/office/drawing/2010/main" xmlns="" w="9525">
                   <a:solidFill>
                     <a:srgbClr val="000000"/>
                   </a:solidFill>
@@ -3921,7 +3922,7 @@
             </a:ln>
             <a:extLst>
               <a:ext uri="{91240B29-F687-4f45-9708-019B960494DF}">
-                <a14:hiddenLine xmlns="" xmlns:a14="http://schemas.microsoft.com/office/drawing/2010/main" w="9525">
+                <a14:hiddenLine xmlns:a14="http://schemas.microsoft.com/office/drawing/2010/main" xmlns="" w="9525">
                   <a:solidFill>
                     <a:srgbClr val="000000"/>
                   </a:solidFill>
@@ -3983,7 +3984,7 @@
             </a:ln>
             <a:extLst>
               <a:ext uri="{91240B29-F687-4f45-9708-019B960494DF}">
-                <a14:hiddenLine xmlns="" xmlns:a14="http://schemas.microsoft.com/office/drawing/2010/main" w="9525">
+                <a14:hiddenLine xmlns:a14="http://schemas.microsoft.com/office/drawing/2010/main" xmlns="" w="9525">
                   <a:solidFill>
                     <a:srgbClr val="000000"/>
                   </a:solidFill>
@@ -4103,7 +4104,7 @@
             </a:ln>
             <a:extLst>
               <a:ext uri="{91240B29-F687-4f45-9708-019B960494DF}">
-                <a14:hiddenLine xmlns="" xmlns:a14="http://schemas.microsoft.com/office/drawing/2010/main" w="9525">
+                <a14:hiddenLine xmlns:a14="http://schemas.microsoft.com/office/drawing/2010/main" xmlns="" w="9525">
                   <a:solidFill>
                     <a:srgbClr val="000000"/>
                   </a:solidFill>
@@ -4171,7 +4172,7 @@
             </a:ln>
             <a:extLst>
               <a:ext uri="{91240B29-F687-4f45-9708-019B960494DF}">
-                <a14:hiddenLine xmlns="" xmlns:a14="http://schemas.microsoft.com/office/drawing/2010/main" w="9525">
+                <a14:hiddenLine xmlns:a14="http://schemas.microsoft.com/office/drawing/2010/main" xmlns="" w="9525">
                   <a:solidFill>
                     <a:srgbClr val="000000"/>
                   </a:solidFill>
@@ -4261,7 +4262,7 @@
             </a:ln>
             <a:extLst>
               <a:ext uri="{91240B29-F687-4f45-9708-019B960494DF}">
-                <a14:hiddenLine xmlns="" xmlns:a14="http://schemas.microsoft.com/office/drawing/2010/main" w="9525">
+                <a14:hiddenLine xmlns:a14="http://schemas.microsoft.com/office/drawing/2010/main" xmlns="" w="9525">
                   <a:solidFill>
                     <a:srgbClr val="000000"/>
                   </a:solidFill>
@@ -4401,7 +4402,7 @@
           <a:p>
             <a:fld id="{48A87A34-81AB-432B-8DAE-1953F412C126}" type="datetimeFigureOut">
               <a:rPr lang="en-US" dirty="0"/>
-              <a:t>6/3/2021</a:t>
+              <a:t>09-Jun-21</a:t>
             </a:fld>
             <a:endParaRPr lang="en-US" dirty="0"/>
           </a:p>
@@ -4663,7 +4664,7 @@
           <a:p>
             <a:fld id="{48A87A34-81AB-432B-8DAE-1953F412C126}" type="datetimeFigureOut">
               <a:rPr lang="en-US" dirty="0"/>
-              <a:t>6/3/2021</a:t>
+              <a:t>09-Jun-21</a:t>
             </a:fld>
             <a:endParaRPr lang="en-US" dirty="0"/>
           </a:p>
@@ -4854,7 +4855,7 @@
           <a:p>
             <a:fld id="{48A87A34-81AB-432B-8DAE-1953F412C126}" type="datetimeFigureOut">
               <a:rPr lang="en-US" dirty="0"/>
-              <a:t>6/3/2021</a:t>
+              <a:t>09-Jun-21</a:t>
             </a:fld>
             <a:endParaRPr lang="en-US" dirty="0"/>
           </a:p>
@@ -5112,7 +5113,7 @@
           <a:p>
             <a:fld id="{48A87A34-81AB-432B-8DAE-1953F412C126}" type="datetimeFigureOut">
               <a:rPr lang="en-US" dirty="0"/>
-              <a:t>6/3/2021</a:t>
+              <a:t>09-Jun-21</a:t>
             </a:fld>
             <a:endParaRPr lang="en-US" dirty="0"/>
           </a:p>
@@ -5541,7 +5542,7 @@
           <a:p>
             <a:fld id="{48A87A34-81AB-432B-8DAE-1953F412C126}" type="datetimeFigureOut">
               <a:rPr lang="en-US" dirty="0"/>
-              <a:t>6/3/2021</a:t>
+              <a:t>09-Jun-21</a:t>
             </a:fld>
             <a:endParaRPr lang="en-US" dirty="0"/>
           </a:p>
@@ -6082,7 +6083,7 @@
           <a:p>
             <a:fld id="{48A87A34-81AB-432B-8DAE-1953F412C126}" type="datetimeFigureOut">
               <a:rPr lang="en-US" dirty="0"/>
-              <a:t>6/3/2021</a:t>
+              <a:t>09-Jun-21</a:t>
             </a:fld>
             <a:endParaRPr lang="en-US" dirty="0"/>
           </a:p>
@@ -6797,7 +6798,7 @@
           <a:p>
             <a:fld id="{48A87A34-81AB-432B-8DAE-1953F412C126}" type="datetimeFigureOut">
               <a:rPr lang="en-US" dirty="0"/>
-              <a:t>6/3/2021</a:t>
+              <a:t>09-Jun-21</a:t>
             </a:fld>
             <a:endParaRPr lang="en-US" dirty="0"/>
           </a:p>
@@ -6962,7 +6963,7 @@
           <a:p>
             <a:fld id="{48A87A34-81AB-432B-8DAE-1953F412C126}" type="datetimeFigureOut">
               <a:rPr lang="en-US" dirty="0"/>
-              <a:t>6/3/2021</a:t>
+              <a:t>09-Jun-21</a:t>
             </a:fld>
             <a:endParaRPr lang="en-US" dirty="0"/>
           </a:p>
@@ -7137,7 +7138,7 @@
           <a:p>
             <a:fld id="{48A87A34-81AB-432B-8DAE-1953F412C126}" type="datetimeFigureOut">
               <a:rPr lang="en-US" dirty="0"/>
-              <a:t>6/3/2021</a:t>
+              <a:t>09-Jun-21</a:t>
             </a:fld>
             <a:endParaRPr lang="en-US" dirty="0"/>
           </a:p>
@@ -7302,7 +7303,7 @@
           <a:p>
             <a:fld id="{48A87A34-81AB-432B-8DAE-1953F412C126}" type="datetimeFigureOut">
               <a:rPr lang="en-US" dirty="0"/>
-              <a:t>6/3/2021</a:t>
+              <a:t>09-Jun-21</a:t>
             </a:fld>
             <a:endParaRPr lang="en-US" dirty="0"/>
           </a:p>
@@ -7547,7 +7548,7 @@
           <a:p>
             <a:fld id="{48A87A34-81AB-432B-8DAE-1953F412C126}" type="datetimeFigureOut">
               <a:rPr lang="en-US" dirty="0"/>
-              <a:t>6/3/2021</a:t>
+              <a:t>09-Jun-21</a:t>
             </a:fld>
             <a:endParaRPr lang="en-US" dirty="0"/>
           </a:p>
@@ -7774,7 +7775,7 @@
           <a:p>
             <a:fld id="{48A87A34-81AB-432B-8DAE-1953F412C126}" type="datetimeFigureOut">
               <a:rPr lang="en-US" dirty="0"/>
-              <a:t>6/3/2021</a:t>
+              <a:t>09-Jun-21</a:t>
             </a:fld>
             <a:endParaRPr lang="en-US" dirty="0"/>
           </a:p>
@@ -8150,7 +8151,7 @@
           <a:p>
             <a:fld id="{48A87A34-81AB-432B-8DAE-1953F412C126}" type="datetimeFigureOut">
               <a:rPr lang="en-US" dirty="0"/>
-              <a:t>6/3/2021</a:t>
+              <a:t>09-Jun-21</a:t>
             </a:fld>
             <a:endParaRPr lang="en-US" dirty="0"/>
           </a:p>
@@ -8263,7 +8264,7 @@
           <a:p>
             <a:fld id="{48A87A34-81AB-432B-8DAE-1953F412C126}" type="datetimeFigureOut">
               <a:rPr lang="en-US" dirty="0"/>
-              <a:t>6/3/2021</a:t>
+              <a:t>09-Jun-21</a:t>
             </a:fld>
             <a:endParaRPr lang="en-US" dirty="0"/>
           </a:p>
@@ -8353,7 +8354,7 @@
           <a:p>
             <a:fld id="{48A87A34-81AB-432B-8DAE-1953F412C126}" type="datetimeFigureOut">
               <a:rPr lang="en-US" dirty="0"/>
-              <a:t>6/3/2021</a:t>
+              <a:t>09-Jun-21</a:t>
             </a:fld>
             <a:endParaRPr lang="en-US" dirty="0"/>
           </a:p>
@@ -8597,7 +8598,7 @@
           <a:p>
             <a:fld id="{48A87A34-81AB-432B-8DAE-1953F412C126}" type="datetimeFigureOut">
               <a:rPr lang="en-US" dirty="0"/>
-              <a:t>6/3/2021</a:t>
+              <a:t>09-Jun-21</a:t>
             </a:fld>
             <a:endParaRPr lang="en-US" dirty="0"/>
           </a:p>
@@ -8872,7 +8873,7 @@
           <a:p>
             <a:fld id="{48A87A34-81AB-432B-8DAE-1953F412C126}" type="datetimeFigureOut">
               <a:rPr lang="en-US" dirty="0"/>
-              <a:t>6/3/2021</a:t>
+              <a:t>09-Jun-21</a:t>
             </a:fld>
             <a:endParaRPr lang="en-US" dirty="0"/>
           </a:p>
@@ -8983,7 +8984,7 @@
           <a:noFill/>
           <a:extLst>
             <a:ext uri="{909E8E84-426E-40dd-AFC4-6F175D3DCCD1}">
-              <a14:hiddenFill xmlns="" xmlns:a14="http://schemas.microsoft.com/office/drawing/2010/main">
+              <a14:hiddenFill xmlns:a14="http://schemas.microsoft.com/office/drawing/2010/main" xmlns="">
                 <a:solidFill>
                   <a:srgbClr val="FFFFFF"/>
                 </a:solidFill>
@@ -9057,7 +9058,7 @@
               </a:ln>
               <a:extLst>
                 <a:ext uri="{91240B29-F687-4f45-9708-019B960494DF}">
-                  <a14:hiddenLine xmlns="" xmlns:a14="http://schemas.microsoft.com/office/drawing/2010/main" w="9525">
+                  <a14:hiddenLine xmlns:a14="http://schemas.microsoft.com/office/drawing/2010/main" xmlns="" w="9525">
                     <a:solidFill>
                       <a:srgbClr val="000000"/>
                     </a:solidFill>
@@ -9147,7 +9148,7 @@
               </a:ln>
               <a:extLst>
                 <a:ext uri="{91240B29-F687-4f45-9708-019B960494DF}">
-                  <a14:hiddenLine xmlns="" xmlns:a14="http://schemas.microsoft.com/office/drawing/2010/main" w="9525">
+                  <a14:hiddenLine xmlns:a14="http://schemas.microsoft.com/office/drawing/2010/main" xmlns="" w="9525">
                     <a:solidFill>
                       <a:srgbClr val="000000"/>
                     </a:solidFill>
@@ -9237,7 +9238,7 @@
               </a:ln>
               <a:extLst>
                 <a:ext uri="{91240B29-F687-4f45-9708-019B960494DF}">
-                  <a14:hiddenLine xmlns="" xmlns:a14="http://schemas.microsoft.com/office/drawing/2010/main" w="9525">
+                  <a14:hiddenLine xmlns:a14="http://schemas.microsoft.com/office/drawing/2010/main" xmlns="" w="9525">
                     <a:solidFill>
                       <a:srgbClr val="000000"/>
                     </a:solidFill>
@@ -9299,7 +9300,7 @@
               </a:ln>
               <a:extLst>
                 <a:ext uri="{91240B29-F687-4f45-9708-019B960494DF}">
-                  <a14:hiddenLine xmlns="" xmlns:a14="http://schemas.microsoft.com/office/drawing/2010/main" w="9525">
+                  <a14:hiddenLine xmlns:a14="http://schemas.microsoft.com/office/drawing/2010/main" xmlns="" w="9525">
                     <a:solidFill>
                       <a:srgbClr val="000000"/>
                     </a:solidFill>
@@ -9389,7 +9390,7 @@
               </a:ln>
               <a:extLst>
                 <a:ext uri="{91240B29-F687-4f45-9708-019B960494DF}">
-                  <a14:hiddenLine xmlns="" xmlns:a14="http://schemas.microsoft.com/office/drawing/2010/main" w="9525">
+                  <a14:hiddenLine xmlns:a14="http://schemas.microsoft.com/office/drawing/2010/main" xmlns="" w="9525">
                     <a:solidFill>
                       <a:srgbClr val="000000"/>
                     </a:solidFill>
@@ -9451,7 +9452,7 @@
               </a:ln>
               <a:extLst>
                 <a:ext uri="{91240B29-F687-4f45-9708-019B960494DF}">
-                  <a14:hiddenLine xmlns="" xmlns:a14="http://schemas.microsoft.com/office/drawing/2010/main" w="9525">
+                  <a14:hiddenLine xmlns:a14="http://schemas.microsoft.com/office/drawing/2010/main" xmlns="" w="9525">
                     <a:solidFill>
                       <a:srgbClr val="000000"/>
                     </a:solidFill>
@@ -9513,7 +9514,7 @@
               </a:ln>
               <a:extLst>
                 <a:ext uri="{91240B29-F687-4f45-9708-019B960494DF}">
-                  <a14:hiddenLine xmlns="" xmlns:a14="http://schemas.microsoft.com/office/drawing/2010/main" w="9525">
+                  <a14:hiddenLine xmlns:a14="http://schemas.microsoft.com/office/drawing/2010/main" xmlns="" w="9525">
                     <a:solidFill>
                       <a:srgbClr val="000000"/>
                     </a:solidFill>
@@ -9603,7 +9604,7 @@
               </a:ln>
               <a:extLst>
                 <a:ext uri="{91240B29-F687-4f45-9708-019B960494DF}">
-                  <a14:hiddenLine xmlns="" xmlns:a14="http://schemas.microsoft.com/office/drawing/2010/main" w="9525">
+                  <a14:hiddenLine xmlns:a14="http://schemas.microsoft.com/office/drawing/2010/main" xmlns="" w="9525">
                     <a:solidFill>
                       <a:srgbClr val="000000"/>
                     </a:solidFill>
@@ -9693,7 +9694,7 @@
               </a:ln>
               <a:extLst>
                 <a:ext uri="{91240B29-F687-4f45-9708-019B960494DF}">
-                  <a14:hiddenLine xmlns="" xmlns:a14="http://schemas.microsoft.com/office/drawing/2010/main" w="9525">
+                  <a14:hiddenLine xmlns:a14="http://schemas.microsoft.com/office/drawing/2010/main" xmlns="" w="9525">
                     <a:solidFill>
                       <a:srgbClr val="000000"/>
                     </a:solidFill>
@@ -9755,7 +9756,7 @@
               </a:ln>
               <a:extLst>
                 <a:ext uri="{91240B29-F687-4f45-9708-019B960494DF}">
-                  <a14:hiddenLine xmlns="" xmlns:a14="http://schemas.microsoft.com/office/drawing/2010/main" w="9525">
+                  <a14:hiddenLine xmlns:a14="http://schemas.microsoft.com/office/drawing/2010/main" xmlns="" w="9525">
                     <a:solidFill>
                       <a:srgbClr val="000000"/>
                     </a:solidFill>
@@ -9865,7 +9866,7 @@
               </a:ln>
               <a:extLst>
                 <a:ext uri="{91240B29-F687-4f45-9708-019B960494DF}">
-                  <a14:hiddenLine xmlns="" xmlns:a14="http://schemas.microsoft.com/office/drawing/2010/main" w="9525">
+                  <a14:hiddenLine xmlns:a14="http://schemas.microsoft.com/office/drawing/2010/main" xmlns="" w="9525">
                     <a:solidFill>
                       <a:srgbClr val="000000"/>
                     </a:solidFill>
@@ -9949,7 +9950,7 @@
               </a:ln>
               <a:extLst>
                 <a:ext uri="{91240B29-F687-4f45-9708-019B960494DF}">
-                  <a14:hiddenLine xmlns="" xmlns:a14="http://schemas.microsoft.com/office/drawing/2010/main" w="9525">
+                  <a14:hiddenLine xmlns:a14="http://schemas.microsoft.com/office/drawing/2010/main" xmlns="" w="9525">
                     <a:solidFill>
                       <a:srgbClr val="000000"/>
                     </a:solidFill>
@@ -10011,7 +10012,7 @@
               </a:ln>
               <a:extLst>
                 <a:ext uri="{91240B29-F687-4f45-9708-019B960494DF}">
-                  <a14:hiddenLine xmlns="" xmlns:a14="http://schemas.microsoft.com/office/drawing/2010/main" w="9525">
+                  <a14:hiddenLine xmlns:a14="http://schemas.microsoft.com/office/drawing/2010/main" xmlns="" w="9525">
                     <a:solidFill>
                       <a:srgbClr val="000000"/>
                     </a:solidFill>
@@ -10073,7 +10074,7 @@
               </a:ln>
               <a:extLst>
                 <a:ext uri="{91240B29-F687-4f45-9708-019B960494DF}">
-                  <a14:hiddenLine xmlns="" xmlns:a14="http://schemas.microsoft.com/office/drawing/2010/main" w="9525">
+                  <a14:hiddenLine xmlns:a14="http://schemas.microsoft.com/office/drawing/2010/main" xmlns="" w="9525">
                     <a:solidFill>
                       <a:srgbClr val="000000"/>
                     </a:solidFill>
@@ -10163,7 +10164,7 @@
               </a:ln>
               <a:extLst>
                 <a:ext uri="{91240B29-F687-4f45-9708-019B960494DF}">
-                  <a14:hiddenLine xmlns="" xmlns:a14="http://schemas.microsoft.com/office/drawing/2010/main" w="9525">
+                  <a14:hiddenLine xmlns:a14="http://schemas.microsoft.com/office/drawing/2010/main" xmlns="" w="9525">
                     <a:solidFill>
                       <a:srgbClr val="000000"/>
                     </a:solidFill>
@@ -10197,7 +10198,7 @@
               </a:ln>
               <a:extLst>
                 <a:ext uri="{91240B29-F687-4f45-9708-019B960494DF}">
-                  <a14:hiddenLine xmlns="" xmlns:a14="http://schemas.microsoft.com/office/drawing/2010/main" w="9525">
+                  <a14:hiddenLine xmlns:a14="http://schemas.microsoft.com/office/drawing/2010/main" xmlns="" w="9525">
                     <a:solidFill>
                       <a:srgbClr val="000000"/>
                     </a:solidFill>
@@ -10262,7 +10263,7 @@
               </a:ln>
               <a:extLst>
                 <a:ext uri="{91240B29-F687-4f45-9708-019B960494DF}">
-                  <a14:hiddenLine xmlns="" xmlns:a14="http://schemas.microsoft.com/office/drawing/2010/main" w="9525">
+                  <a14:hiddenLine xmlns:a14="http://schemas.microsoft.com/office/drawing/2010/main" xmlns="" w="9525">
                     <a:solidFill>
                       <a:srgbClr val="000000"/>
                     </a:solidFill>
@@ -10352,7 +10353,7 @@
               </a:ln>
               <a:extLst>
                 <a:ext uri="{91240B29-F687-4f45-9708-019B960494DF}">
-                  <a14:hiddenLine xmlns="" xmlns:a14="http://schemas.microsoft.com/office/drawing/2010/main" w="9525">
+                  <a14:hiddenLine xmlns:a14="http://schemas.microsoft.com/office/drawing/2010/main" xmlns="" w="9525">
                     <a:solidFill>
                       <a:srgbClr val="000000"/>
                     </a:solidFill>
@@ -10414,7 +10415,7 @@
               </a:ln>
               <a:extLst>
                 <a:ext uri="{91240B29-F687-4f45-9708-019B960494DF}">
-                  <a14:hiddenLine xmlns="" xmlns:a14="http://schemas.microsoft.com/office/drawing/2010/main" w="9525">
+                  <a14:hiddenLine xmlns:a14="http://schemas.microsoft.com/office/drawing/2010/main" xmlns="" w="9525">
                     <a:solidFill>
                       <a:srgbClr val="000000"/>
                     </a:solidFill>
@@ -10504,7 +10505,7 @@
               </a:ln>
               <a:extLst>
                 <a:ext uri="{91240B29-F687-4f45-9708-019B960494DF}">
-                  <a14:hiddenLine xmlns="" xmlns:a14="http://schemas.microsoft.com/office/drawing/2010/main" w="9525">
+                  <a14:hiddenLine xmlns:a14="http://schemas.microsoft.com/office/drawing/2010/main" xmlns="" w="9525">
                     <a:solidFill>
                       <a:srgbClr val="000000"/>
                     </a:solidFill>
@@ -10569,7 +10570,7 @@
               </a:ln>
               <a:extLst>
                 <a:ext uri="{91240B29-F687-4f45-9708-019B960494DF}">
-                  <a14:hiddenLine xmlns="" xmlns:a14="http://schemas.microsoft.com/office/drawing/2010/main" w="9525">
+                  <a14:hiddenLine xmlns:a14="http://schemas.microsoft.com/office/drawing/2010/main" xmlns="" w="9525">
                     <a:solidFill>
                       <a:srgbClr val="000000"/>
                     </a:solidFill>
@@ -10631,7 +10632,7 @@
               </a:ln>
               <a:extLst>
                 <a:ext uri="{91240B29-F687-4f45-9708-019B960494DF}">
-                  <a14:hiddenLine xmlns="" xmlns:a14="http://schemas.microsoft.com/office/drawing/2010/main" w="9525">
+                  <a14:hiddenLine xmlns:a14="http://schemas.microsoft.com/office/drawing/2010/main" xmlns="" w="9525">
                     <a:solidFill>
                       <a:srgbClr val="000000"/>
                     </a:solidFill>
@@ -10721,7 +10722,7 @@
               </a:ln>
               <a:extLst>
                 <a:ext uri="{91240B29-F687-4f45-9708-019B960494DF}">
-                  <a14:hiddenLine xmlns="" xmlns:a14="http://schemas.microsoft.com/office/drawing/2010/main" w="9525">
+                  <a14:hiddenLine xmlns:a14="http://schemas.microsoft.com/office/drawing/2010/main" xmlns="" w="9525">
                     <a:solidFill>
                       <a:srgbClr val="000000"/>
                     </a:solidFill>
@@ -10811,7 +10812,7 @@
               </a:ln>
               <a:extLst>
                 <a:ext uri="{91240B29-F687-4f45-9708-019B960494DF}">
-                  <a14:hiddenLine xmlns="" xmlns:a14="http://schemas.microsoft.com/office/drawing/2010/main" w="9525">
+                  <a14:hiddenLine xmlns:a14="http://schemas.microsoft.com/office/drawing/2010/main" xmlns="" w="9525">
                     <a:solidFill>
                       <a:srgbClr val="000000"/>
                     </a:solidFill>
@@ -10876,7 +10877,7 @@
               </a:ln>
               <a:extLst>
                 <a:ext uri="{91240B29-F687-4f45-9708-019B960494DF}">
-                  <a14:hiddenLine xmlns="" xmlns:a14="http://schemas.microsoft.com/office/drawing/2010/main" w="9525">
+                  <a14:hiddenLine xmlns:a14="http://schemas.microsoft.com/office/drawing/2010/main" xmlns="" w="9525">
                     <a:solidFill>
                       <a:srgbClr val="000000"/>
                     </a:solidFill>
@@ -10996,7 +10997,7 @@
               </a:ln>
               <a:extLst>
                 <a:ext uri="{91240B29-F687-4f45-9708-019B960494DF}">
-                  <a14:hiddenLine xmlns="" xmlns:a14="http://schemas.microsoft.com/office/drawing/2010/main" w="9525">
+                  <a14:hiddenLine xmlns:a14="http://schemas.microsoft.com/office/drawing/2010/main" xmlns="" w="9525">
                     <a:solidFill>
                       <a:srgbClr val="000000"/>
                     </a:solidFill>
@@ -11094,7 +11095,7 @@
               </a:ln>
               <a:extLst>
                 <a:ext uri="{91240B29-F687-4f45-9708-019B960494DF}">
-                  <a14:hiddenLine xmlns="" xmlns:a14="http://schemas.microsoft.com/office/drawing/2010/main" w="9525">
+                  <a14:hiddenLine xmlns:a14="http://schemas.microsoft.com/office/drawing/2010/main" xmlns="" w="9525">
                     <a:solidFill>
                       <a:srgbClr val="000000"/>
                     </a:solidFill>
@@ -11209,7 +11210,7 @@
               </a:ln>
               <a:extLst>
                 <a:ext uri="{91240B29-F687-4f45-9708-019B960494DF}">
-                  <a14:hiddenLine xmlns="" xmlns:a14="http://schemas.microsoft.com/office/drawing/2010/main" w="9525">
+                  <a14:hiddenLine xmlns:a14="http://schemas.microsoft.com/office/drawing/2010/main" xmlns="" w="9525">
                     <a:solidFill>
                       <a:srgbClr val="000000"/>
                     </a:solidFill>
@@ -11299,7 +11300,7 @@
               </a:ln>
               <a:extLst>
                 <a:ext uri="{91240B29-F687-4f45-9708-019B960494DF}">
-                  <a14:hiddenLine xmlns="" xmlns:a14="http://schemas.microsoft.com/office/drawing/2010/main" w="9525">
+                  <a14:hiddenLine xmlns:a14="http://schemas.microsoft.com/office/drawing/2010/main" xmlns="" w="9525">
                     <a:solidFill>
                       <a:srgbClr val="000000"/>
                     </a:solidFill>
@@ -11364,7 +11365,7 @@
               </a:ln>
               <a:extLst>
                 <a:ext uri="{91240B29-F687-4f45-9708-019B960494DF}">
-                  <a14:hiddenLine xmlns="" xmlns:a14="http://schemas.microsoft.com/office/drawing/2010/main" w="9525">
+                  <a14:hiddenLine xmlns:a14="http://schemas.microsoft.com/office/drawing/2010/main" xmlns="" w="9525">
                     <a:solidFill>
                       <a:srgbClr val="000000"/>
                     </a:solidFill>
@@ -11454,7 +11455,7 @@
               </a:ln>
               <a:extLst>
                 <a:ext uri="{91240B29-F687-4f45-9708-019B960494DF}">
-                  <a14:hiddenLine xmlns="" xmlns:a14="http://schemas.microsoft.com/office/drawing/2010/main" w="9525">
+                  <a14:hiddenLine xmlns:a14="http://schemas.microsoft.com/office/drawing/2010/main" xmlns="" w="9525">
                     <a:solidFill>
                       <a:srgbClr val="000000"/>
                     </a:solidFill>
@@ -11522,7 +11523,7 @@
               </a:ln>
               <a:extLst>
                 <a:ext uri="{91240B29-F687-4f45-9708-019B960494DF}">
-                  <a14:hiddenLine xmlns="" xmlns:a14="http://schemas.microsoft.com/office/drawing/2010/main" w="9525">
+                  <a14:hiddenLine xmlns:a14="http://schemas.microsoft.com/office/drawing/2010/main" xmlns="" w="9525">
                     <a:solidFill>
                       <a:srgbClr val="000000"/>
                     </a:solidFill>
@@ -11612,7 +11613,7 @@
               </a:ln>
               <a:extLst>
                 <a:ext uri="{91240B29-F687-4f45-9708-019B960494DF}">
-                  <a14:hiddenLine xmlns="" xmlns:a14="http://schemas.microsoft.com/office/drawing/2010/main" w="9525">
+                  <a14:hiddenLine xmlns:a14="http://schemas.microsoft.com/office/drawing/2010/main" xmlns="" w="9525">
                     <a:solidFill>
                       <a:srgbClr val="000000"/>
                     </a:solidFill>
@@ -11680,7 +11681,7 @@
               </a:ln>
               <a:extLst>
                 <a:ext uri="{91240B29-F687-4f45-9708-019B960494DF}">
-                  <a14:hiddenLine xmlns="" xmlns:a14="http://schemas.microsoft.com/office/drawing/2010/main" w="9525">
+                  <a14:hiddenLine xmlns:a14="http://schemas.microsoft.com/office/drawing/2010/main" xmlns="" w="9525">
                     <a:solidFill>
                       <a:srgbClr val="000000"/>
                     </a:solidFill>
@@ -11770,7 +11771,7 @@
               </a:ln>
               <a:extLst>
                 <a:ext uri="{91240B29-F687-4f45-9708-019B960494DF}">
-                  <a14:hiddenLine xmlns="" xmlns:a14="http://schemas.microsoft.com/office/drawing/2010/main" w="9525">
+                  <a14:hiddenLine xmlns:a14="http://schemas.microsoft.com/office/drawing/2010/main" xmlns="" w="9525">
                     <a:solidFill>
                       <a:srgbClr val="000000"/>
                     </a:solidFill>
@@ -11804,7 +11805,7 @@
               </a:ln>
               <a:extLst>
                 <a:ext uri="{91240B29-F687-4f45-9708-019B960494DF}">
-                  <a14:hiddenLine xmlns="" xmlns:a14="http://schemas.microsoft.com/office/drawing/2010/main" w="9525">
+                  <a14:hiddenLine xmlns:a14="http://schemas.microsoft.com/office/drawing/2010/main" xmlns="" w="9525">
                     <a:solidFill>
                       <a:srgbClr val="000000"/>
                     </a:solidFill>
@@ -11945,7 +11946,7 @@
             <a:fld id="{48A87A34-81AB-432B-8DAE-1953F412C126}" type="datetimeFigureOut">
               <a:rPr lang="en-US" dirty="0"/>
               <a:pPr/>
-              <a:t>6/3/2021</a:t>
+              <a:t>09-Jun-21</a:t>
             </a:fld>
             <a:endParaRPr lang="en-US" dirty="0"/>
           </a:p>
@@ -12451,6 +12452,174 @@
           <a:chExt cx="0" cy="0"/>
         </a:xfrm>
       </p:grpSpPr>
+      <p:sp>
+        <p:nvSpPr>
+          <p:cNvPr id="4" name="Title 1">
+            <a:extLst>
+              <a:ext uri="{FF2B5EF4-FFF2-40B4-BE49-F238E27FC236}">
+                <a16:creationId xmlns:a16="http://schemas.microsoft.com/office/drawing/2014/main" id="{C843C6F6-9337-460A-85BF-0E1F83AF2140}"/>
+              </a:ext>
+            </a:extLst>
+          </p:cNvPr>
+          <p:cNvSpPr>
+            <a:spLocks noGrp="1"/>
+          </p:cNvSpPr>
+          <p:nvPr>
+            <p:ph type="title"/>
+          </p:nvPr>
+        </p:nvSpPr>
+        <p:spPr>
+          <a:xfrm>
+            <a:off x="954982" y="0"/>
+            <a:ext cx="9905998" cy="713132"/>
+          </a:xfrm>
+        </p:spPr>
+        <p:txBody>
+          <a:bodyPr/>
+          <a:lstStyle/>
+          <a:p>
+            <a:pPr algn="ctr"/>
+            <a:r>
+              <a:rPr lang="en-US" dirty="0"/>
+              <a:t>Service</a:t>
+            </a:r>
+          </a:p>
+        </p:txBody>
+      </p:sp>
+      <p:pic>
+        <p:nvPicPr>
+          <p:cNvPr id="6" name="Picture 5">
+            <a:extLst>
+              <a:ext uri="{FF2B5EF4-FFF2-40B4-BE49-F238E27FC236}">
+                <a16:creationId xmlns:a16="http://schemas.microsoft.com/office/drawing/2014/main" id="{85445FB9-DA23-479A-AD76-73588F4B827E}"/>
+              </a:ext>
+            </a:extLst>
+          </p:cNvPr>
+          <p:cNvPicPr>
+            <a:picLocks noChangeAspect="1"/>
+          </p:cNvPicPr>
+          <p:nvPr/>
+        </p:nvPicPr>
+        <p:blipFill>
+          <a:blip r:embed="rId2"/>
+          <a:stretch>
+            <a:fillRect/>
+          </a:stretch>
+        </p:blipFill>
+        <p:spPr>
+          <a:xfrm>
+            <a:off x="351301" y="791148"/>
+            <a:ext cx="2705569" cy="2094094"/>
+          </a:xfrm>
+          <a:prstGeom prst="rect">
+            <a:avLst/>
+          </a:prstGeom>
+        </p:spPr>
+      </p:pic>
+      <p:sp>
+        <p:nvSpPr>
+          <p:cNvPr id="7" name="TextBox 6">
+            <a:extLst>
+              <a:ext uri="{FF2B5EF4-FFF2-40B4-BE49-F238E27FC236}">
+                <a16:creationId xmlns:a16="http://schemas.microsoft.com/office/drawing/2014/main" id="{658851C6-7EC4-4DAF-8B75-8BFB8661249A}"/>
+              </a:ext>
+            </a:extLst>
+          </p:cNvPr>
+          <p:cNvSpPr txBox="1"/>
+          <p:nvPr/>
+        </p:nvSpPr>
+        <p:spPr>
+          <a:xfrm>
+            <a:off x="4012707" y="861134"/>
+            <a:ext cx="7066625" cy="1477328"/>
+          </a:xfrm>
+          <a:prstGeom prst="rect">
+            <a:avLst/>
+          </a:prstGeom>
+          <a:noFill/>
+        </p:spPr>
+        <p:txBody>
+          <a:bodyPr wrap="square" rtlCol="0">
+            <a:spAutoFit/>
+          </a:bodyPr>
+          <a:lstStyle/>
+          <a:p>
+            <a:r>
+              <a:rPr lang="en-US" dirty="0"/>
+              <a:t>Rest-controllers refer to this module. The module itself contain a set of classes that connect DAO and controllers. As soon as no logics needed to be used in services, this is just a “bridge” between modules.</a:t>
+            </a:r>
+          </a:p>
+          <a:p>
+            <a:endParaRPr lang="en-US" dirty="0"/>
+          </a:p>
+          <a:p>
+            <a:r>
+              <a:rPr lang="en-US" dirty="0"/>
+              <a:t>Example of a service:</a:t>
+            </a:r>
+          </a:p>
+        </p:txBody>
+      </p:sp>
+      <p:pic>
+        <p:nvPicPr>
+          <p:cNvPr id="9" name="Picture 8">
+            <a:extLst>
+              <a:ext uri="{FF2B5EF4-FFF2-40B4-BE49-F238E27FC236}">
+                <a16:creationId xmlns:a16="http://schemas.microsoft.com/office/drawing/2014/main" id="{464DC45E-FAF4-41C6-B25A-73C7C49583C3}"/>
+              </a:ext>
+            </a:extLst>
+          </p:cNvPr>
+          <p:cNvPicPr>
+            <a:picLocks noChangeAspect="1"/>
+          </p:cNvPicPr>
+          <p:nvPr/>
+        </p:nvPicPr>
+        <p:blipFill>
+          <a:blip r:embed="rId3"/>
+          <a:stretch>
+            <a:fillRect/>
+          </a:stretch>
+        </p:blipFill>
+        <p:spPr>
+          <a:xfrm>
+            <a:off x="4012707" y="2331625"/>
+            <a:ext cx="6461713" cy="4375827"/>
+          </a:xfrm>
+          <a:prstGeom prst="rect">
+            <a:avLst/>
+          </a:prstGeom>
+        </p:spPr>
+      </p:pic>
+    </p:spTree>
+    <p:extLst>
+      <p:ext uri="{BB962C8B-B14F-4D97-AF65-F5344CB8AC3E}">
+        <p14:creationId xmlns:p14="http://schemas.microsoft.com/office/powerpoint/2010/main" val="2108856971"/>
+      </p:ext>
+    </p:extLst>
+  </p:cSld>
+  <p:clrMapOvr>
+    <a:masterClrMapping/>
+  </p:clrMapOvr>
+</p:sld>
+</file>
+
+<file path=ppt/slides/slide11.xml><?xml version="1.0" encoding="utf-8"?>
+<p:sld xmlns:a="http://schemas.openxmlformats.org/drawingml/2006/main" xmlns:r="http://schemas.openxmlformats.org/officeDocument/2006/relationships" xmlns:p="http://schemas.openxmlformats.org/presentationml/2006/main">
+  <p:cSld>
+    <p:spTree>
+      <p:nvGrpSpPr>
+        <p:cNvPr id="1" name=""/>
+        <p:cNvGrpSpPr/>
+        <p:nvPr/>
+      </p:nvGrpSpPr>
+      <p:grpSpPr>
+        <a:xfrm>
+          <a:off x="0" y="0"/>
+          <a:ext cx="0" cy="0"/>
+          <a:chOff x="0" y="0"/>
+          <a:chExt cx="0" cy="0"/>
+        </a:xfrm>
+      </p:grpSpPr>
       <p:pic>
         <p:nvPicPr>
           <p:cNvPr id="5" name="Picture 4">
@@ -12615,7 +12784,7 @@
 </p:sld>
 </file>
 
-<file path=ppt/slides/slide11.xml><?xml version="1.0" encoding="utf-8"?>
+<file path=ppt/slides/slide12.xml><?xml version="1.0" encoding="utf-8"?>
 <p:sld xmlns:a="http://schemas.openxmlformats.org/drawingml/2006/main" xmlns:r="http://schemas.openxmlformats.org/officeDocument/2006/relationships" xmlns:p="http://schemas.openxmlformats.org/presentationml/2006/main">
   <p:cSld>
     <p:spTree>
@@ -13045,7 +13214,7 @@
 </p:sld>
 </file>
 
-<file path=ppt/slides/slide12.xml><?xml version="1.0" encoding="utf-8"?>
+<file path=ppt/slides/slide13.xml><?xml version="1.0" encoding="utf-8"?>
 <p:sld xmlns:a="http://schemas.openxmlformats.org/drawingml/2006/main" xmlns:r="http://schemas.openxmlformats.org/officeDocument/2006/relationships" xmlns:p="http://schemas.openxmlformats.org/presentationml/2006/main">
   <p:cSld>
     <p:spTree>
@@ -13183,7 +13352,7 @@
 </p:sld>
 </file>
 
-<file path=ppt/slides/slide13.xml><?xml version="1.0" encoding="utf-8"?>
+<file path=ppt/slides/slide14.xml><?xml version="1.0" encoding="utf-8"?>
 <p:sld xmlns:a="http://schemas.openxmlformats.org/drawingml/2006/main" xmlns:r="http://schemas.openxmlformats.org/officeDocument/2006/relationships" xmlns:p="http://schemas.openxmlformats.org/presentationml/2006/main">
   <p:cSld>
     <p:spTree>
@@ -13505,7 +13674,7 @@
 </p:sld>
 </file>
 
-<file path=ppt/slides/slide14.xml><?xml version="1.0" encoding="utf-8"?>
+<file path=ppt/slides/slide15.xml><?xml version="1.0" encoding="utf-8"?>
 <p:sld xmlns:a="http://schemas.openxmlformats.org/drawingml/2006/main" xmlns:r="http://schemas.openxmlformats.org/officeDocument/2006/relationships" xmlns:p="http://schemas.openxmlformats.org/presentationml/2006/main">
   <p:cSld>
     <p:spTree>
@@ -14259,6 +14428,100 @@
             <a:pPr algn="ctr"/>
             <a:r>
               <a:rPr lang="en-US" dirty="0"/>
+              <a:t>Project architecture</a:t>
+            </a:r>
+          </a:p>
+        </p:txBody>
+      </p:sp>
+      <p:pic>
+        <p:nvPicPr>
+          <p:cNvPr id="4" name="Picture 3">
+            <a:extLst>
+              <a:ext uri="{FF2B5EF4-FFF2-40B4-BE49-F238E27FC236}">
+                <a16:creationId xmlns:a16="http://schemas.microsoft.com/office/drawing/2014/main" id="{14123105-4FD0-4301-AA8D-49C021734F96}"/>
+              </a:ext>
+            </a:extLst>
+          </p:cNvPr>
+          <p:cNvPicPr>
+            <a:picLocks noChangeAspect="1"/>
+          </p:cNvPicPr>
+          <p:nvPr/>
+        </p:nvPicPr>
+        <p:blipFill>
+          <a:blip r:embed="rId2"/>
+          <a:stretch>
+            <a:fillRect/>
+          </a:stretch>
+        </p:blipFill>
+        <p:spPr>
+          <a:xfrm>
+            <a:off x="1406236" y="821574"/>
+            <a:ext cx="9379527" cy="5627716"/>
+          </a:xfrm>
+          <a:prstGeom prst="rect">
+            <a:avLst/>
+          </a:prstGeom>
+        </p:spPr>
+      </p:pic>
+    </p:spTree>
+    <p:extLst>
+      <p:ext uri="{BB962C8B-B14F-4D97-AF65-F5344CB8AC3E}">
+        <p14:creationId xmlns:p14="http://schemas.microsoft.com/office/powerpoint/2010/main" val="898369242"/>
+      </p:ext>
+    </p:extLst>
+  </p:cSld>
+  <p:clrMapOvr>
+    <a:masterClrMapping/>
+  </p:clrMapOvr>
+</p:sld>
+</file>
+
+<file path=ppt/slides/slide4.xml><?xml version="1.0" encoding="utf-8"?>
+<p:sld xmlns:a="http://schemas.openxmlformats.org/drawingml/2006/main" xmlns:r="http://schemas.openxmlformats.org/officeDocument/2006/relationships" xmlns:p="http://schemas.openxmlformats.org/presentationml/2006/main">
+  <p:cSld>
+    <p:spTree>
+      <p:nvGrpSpPr>
+        <p:cNvPr id="1" name=""/>
+        <p:cNvGrpSpPr/>
+        <p:nvPr/>
+      </p:nvGrpSpPr>
+      <p:grpSpPr>
+        <a:xfrm>
+          <a:off x="0" y="0"/>
+          <a:ext cx="0" cy="0"/>
+          <a:chOff x="0" y="0"/>
+          <a:chExt cx="0" cy="0"/>
+        </a:xfrm>
+      </p:grpSpPr>
+      <p:sp>
+        <p:nvSpPr>
+          <p:cNvPr id="2" name="Title 1">
+            <a:extLst>
+              <a:ext uri="{FF2B5EF4-FFF2-40B4-BE49-F238E27FC236}">
+                <a16:creationId xmlns:a16="http://schemas.microsoft.com/office/drawing/2014/main" id="{AD6AC877-DBCA-4544-B2C4-52F8ECF275D3}"/>
+              </a:ext>
+            </a:extLst>
+          </p:cNvPr>
+          <p:cNvSpPr>
+            <a:spLocks noGrp="1"/>
+          </p:cNvSpPr>
+          <p:nvPr>
+            <p:ph type="title"/>
+          </p:nvPr>
+        </p:nvSpPr>
+        <p:spPr>
+          <a:xfrm>
+            <a:off x="954982" y="0"/>
+            <a:ext cx="9905998" cy="713132"/>
+          </a:xfrm>
+        </p:spPr>
+        <p:txBody>
+          <a:bodyPr/>
+          <a:lstStyle/>
+          <a:p>
+            <a:pPr algn="ctr"/>
+            <a:r>
+              <a:rPr lang="en-US" dirty="0"/>
               <a:t>WEB-app</a:t>
             </a:r>
           </a:p>
@@ -14984,7 +15247,7 @@
 </p:sld>
 </file>
 
-<file path=ppt/slides/slide4.xml><?xml version="1.0" encoding="utf-8"?>
+<file path=ppt/slides/slide5.xml><?xml version="1.0" encoding="utf-8"?>
 <p:sld xmlns:a="http://schemas.openxmlformats.org/drawingml/2006/main" xmlns:r="http://schemas.openxmlformats.org/officeDocument/2006/relationships" xmlns:p="http://schemas.openxmlformats.org/presentationml/2006/main">
   <p:cSld>
     <p:spTree>
@@ -15852,7 +16115,7 @@
 </p:sld>
 </file>
 
-<file path=ppt/slides/slide5.xml><?xml version="1.0" encoding="utf-8"?>
+<file path=ppt/slides/slide6.xml><?xml version="1.0" encoding="utf-8"?>
 <p:sld xmlns:a="http://schemas.openxmlformats.org/drawingml/2006/main" xmlns:r="http://schemas.openxmlformats.org/officeDocument/2006/relationships" xmlns:p="http://schemas.openxmlformats.org/presentationml/2006/main">
   <p:cSld>
     <p:spTree>
@@ -16177,7 +16440,7 @@
 </p:sld>
 </file>
 
-<file path=ppt/slides/slide6.xml><?xml version="1.0" encoding="utf-8"?>
+<file path=ppt/slides/slide7.xml><?xml version="1.0" encoding="utf-8"?>
 <p:sld xmlns:a="http://schemas.openxmlformats.org/drawingml/2006/main" xmlns:r="http://schemas.openxmlformats.org/officeDocument/2006/relationships" xmlns:p="http://schemas.openxmlformats.org/presentationml/2006/main">
   <p:cSld>
     <p:spTree>
@@ -16856,7 +17119,7 @@
 </p:sld>
 </file>
 
-<file path=ppt/slides/slide7.xml><?xml version="1.0" encoding="utf-8"?>
+<file path=ppt/slides/slide8.xml><?xml version="1.0" encoding="utf-8"?>
 <p:sld xmlns:a="http://schemas.openxmlformats.org/drawingml/2006/main" xmlns:r="http://schemas.openxmlformats.org/officeDocument/2006/relationships" xmlns:p="http://schemas.openxmlformats.org/presentationml/2006/main">
   <p:cSld>
     <p:spTree>
@@ -16949,7 +17212,7 @@
 </p:sld>
 </file>
 
-<file path=ppt/slides/slide8.xml><?xml version="1.0" encoding="utf-8"?>
+<file path=ppt/slides/slide9.xml><?xml version="1.0" encoding="utf-8"?>
 <p:sld xmlns:a="http://schemas.openxmlformats.org/drawingml/2006/main" xmlns:r="http://schemas.openxmlformats.org/officeDocument/2006/relationships" xmlns:p="http://schemas.openxmlformats.org/presentationml/2006/main">
   <p:cSld>
     <p:spTree>
@@ -17113,174 +17376,6 @@
     <p:extLst>
       <p:ext uri="{BB962C8B-B14F-4D97-AF65-F5344CB8AC3E}">
         <p14:creationId xmlns:p14="http://schemas.microsoft.com/office/powerpoint/2010/main" val="4065019791"/>
-      </p:ext>
-    </p:extLst>
-  </p:cSld>
-  <p:clrMapOvr>
-    <a:masterClrMapping/>
-  </p:clrMapOvr>
-</p:sld>
-</file>
-
-<file path=ppt/slides/slide9.xml><?xml version="1.0" encoding="utf-8"?>
-<p:sld xmlns:a="http://schemas.openxmlformats.org/drawingml/2006/main" xmlns:r="http://schemas.openxmlformats.org/officeDocument/2006/relationships" xmlns:p="http://schemas.openxmlformats.org/presentationml/2006/main">
-  <p:cSld>
-    <p:spTree>
-      <p:nvGrpSpPr>
-        <p:cNvPr id="1" name=""/>
-        <p:cNvGrpSpPr/>
-        <p:nvPr/>
-      </p:nvGrpSpPr>
-      <p:grpSpPr>
-        <a:xfrm>
-          <a:off x="0" y="0"/>
-          <a:ext cx="0" cy="0"/>
-          <a:chOff x="0" y="0"/>
-          <a:chExt cx="0" cy="0"/>
-        </a:xfrm>
-      </p:grpSpPr>
-      <p:sp>
-        <p:nvSpPr>
-          <p:cNvPr id="4" name="Title 1">
-            <a:extLst>
-              <a:ext uri="{FF2B5EF4-FFF2-40B4-BE49-F238E27FC236}">
-                <a16:creationId xmlns:a16="http://schemas.microsoft.com/office/drawing/2014/main" id="{C843C6F6-9337-460A-85BF-0E1F83AF2140}"/>
-              </a:ext>
-            </a:extLst>
-          </p:cNvPr>
-          <p:cNvSpPr>
-            <a:spLocks noGrp="1"/>
-          </p:cNvSpPr>
-          <p:nvPr>
-            <p:ph type="title"/>
-          </p:nvPr>
-        </p:nvSpPr>
-        <p:spPr>
-          <a:xfrm>
-            <a:off x="954982" y="0"/>
-            <a:ext cx="9905998" cy="713132"/>
-          </a:xfrm>
-        </p:spPr>
-        <p:txBody>
-          <a:bodyPr/>
-          <a:lstStyle/>
-          <a:p>
-            <a:pPr algn="ctr"/>
-            <a:r>
-              <a:rPr lang="en-US" dirty="0"/>
-              <a:t>Service</a:t>
-            </a:r>
-          </a:p>
-        </p:txBody>
-      </p:sp>
-      <p:pic>
-        <p:nvPicPr>
-          <p:cNvPr id="6" name="Picture 5">
-            <a:extLst>
-              <a:ext uri="{FF2B5EF4-FFF2-40B4-BE49-F238E27FC236}">
-                <a16:creationId xmlns:a16="http://schemas.microsoft.com/office/drawing/2014/main" id="{85445FB9-DA23-479A-AD76-73588F4B827E}"/>
-              </a:ext>
-            </a:extLst>
-          </p:cNvPr>
-          <p:cNvPicPr>
-            <a:picLocks noChangeAspect="1"/>
-          </p:cNvPicPr>
-          <p:nvPr/>
-        </p:nvPicPr>
-        <p:blipFill>
-          <a:blip r:embed="rId2"/>
-          <a:stretch>
-            <a:fillRect/>
-          </a:stretch>
-        </p:blipFill>
-        <p:spPr>
-          <a:xfrm>
-            <a:off x="351301" y="791148"/>
-            <a:ext cx="2705569" cy="2094094"/>
-          </a:xfrm>
-          <a:prstGeom prst="rect">
-            <a:avLst/>
-          </a:prstGeom>
-        </p:spPr>
-      </p:pic>
-      <p:sp>
-        <p:nvSpPr>
-          <p:cNvPr id="7" name="TextBox 6">
-            <a:extLst>
-              <a:ext uri="{FF2B5EF4-FFF2-40B4-BE49-F238E27FC236}">
-                <a16:creationId xmlns:a16="http://schemas.microsoft.com/office/drawing/2014/main" id="{658851C6-7EC4-4DAF-8B75-8BFB8661249A}"/>
-              </a:ext>
-            </a:extLst>
-          </p:cNvPr>
-          <p:cNvSpPr txBox="1"/>
-          <p:nvPr/>
-        </p:nvSpPr>
-        <p:spPr>
-          <a:xfrm>
-            <a:off x="4012707" y="861134"/>
-            <a:ext cx="7066625" cy="1477328"/>
-          </a:xfrm>
-          <a:prstGeom prst="rect">
-            <a:avLst/>
-          </a:prstGeom>
-          <a:noFill/>
-        </p:spPr>
-        <p:txBody>
-          <a:bodyPr wrap="square" rtlCol="0">
-            <a:spAutoFit/>
-          </a:bodyPr>
-          <a:lstStyle/>
-          <a:p>
-            <a:r>
-              <a:rPr lang="en-US" dirty="0"/>
-              <a:t>Rest-controllers refer to this module. The module itself contain a set of classes that connect DAO and controllers. As soon as no logics needed to be used in services, this is just a “bridge” between modules.</a:t>
-            </a:r>
-          </a:p>
-          <a:p>
-            <a:endParaRPr lang="en-US" dirty="0"/>
-          </a:p>
-          <a:p>
-            <a:r>
-              <a:rPr lang="en-US" dirty="0"/>
-              <a:t>Example of a service:</a:t>
-            </a:r>
-          </a:p>
-        </p:txBody>
-      </p:sp>
-      <p:pic>
-        <p:nvPicPr>
-          <p:cNvPr id="9" name="Picture 8">
-            <a:extLst>
-              <a:ext uri="{FF2B5EF4-FFF2-40B4-BE49-F238E27FC236}">
-                <a16:creationId xmlns:a16="http://schemas.microsoft.com/office/drawing/2014/main" id="{464DC45E-FAF4-41C6-B25A-73C7C49583C3}"/>
-              </a:ext>
-            </a:extLst>
-          </p:cNvPr>
-          <p:cNvPicPr>
-            <a:picLocks noChangeAspect="1"/>
-          </p:cNvPicPr>
-          <p:nvPr/>
-        </p:nvPicPr>
-        <p:blipFill>
-          <a:blip r:embed="rId3"/>
-          <a:stretch>
-            <a:fillRect/>
-          </a:stretch>
-        </p:blipFill>
-        <p:spPr>
-          <a:xfrm>
-            <a:off x="4012707" y="2331625"/>
-            <a:ext cx="6461713" cy="4375827"/>
-          </a:xfrm>
-          <a:prstGeom prst="rect">
-            <a:avLst/>
-          </a:prstGeom>
-        </p:spPr>
-      </p:pic>
-    </p:spTree>
-    <p:extLst>
-      <p:ext uri="{BB962C8B-B14F-4D97-AF65-F5344CB8AC3E}">
-        <p14:creationId xmlns:p14="http://schemas.microsoft.com/office/powerpoint/2010/main" val="2108856971"/>
       </p:ext>
     </p:extLst>
   </p:cSld>
